--- a/Prezentacja.pptx
+++ b/Prezentacja.pptx
@@ -4003,6 +4003,13 @@
   <p:transition>
     <p:fade/>
   </p:transition>
+  <p:timing>
+    <p:tnLst>
+      <p:par>
+        <p:cTn id="1" dur="indefinite" restart="never" nodeType="tmRoot"/>
+      </p:par>
+    </p:tnLst>
+  </p:timing>
 </p:sld>
 </file>
 
@@ -4135,7 +4142,7 @@
         <p:spPr>
           <a:xfrm>
             <a:off x="971600" y="4005064"/>
-            <a:ext cx="6048672" cy="1200329"/>
+            <a:ext cx="6048672" cy="2031325"/>
           </a:xfrm>
           <a:prstGeom prst="rect">
             <a:avLst/>
@@ -4157,6 +4164,15 @@
                 <a:latin typeface="Century Gothic" pitchFamily="34" charset="0"/>
               </a:rPr>
               <a:t>Powyższa ilustracja pokazuje sposób działania pasma ochronnego oraz różnorodności zajmowanych szczelin przez sygnały w zależności od potrzeb/wymogów. </a:t>
+            </a:r>
+            <a:r>
+              <a:rPr lang="pl-PL" sz="2400" smtClean="0">
+                <a:solidFill>
+                  <a:srgbClr val="FF0000"/>
+                </a:solidFill>
+                <a:latin typeface="Century Gothic" pitchFamily="34" charset="0"/>
+              </a:rPr>
+              <a:t>NIE WIEM CZY PISAĆ O PAŚMIE OCHRONNYM BO NIE MAMY TEGO W PROJEKCIE !!!!</a:t>
             </a:r>
             <a:endParaRPr lang="pl-PL" dirty="0">
               <a:solidFill>
@@ -4175,6 +4191,13 @@
   <p:transition>
     <p:fade/>
   </p:transition>
+  <p:timing>
+    <p:tnLst>
+      <p:par>
+        <p:cTn id="1" dur="indefinite" restart="never" nodeType="tmRoot"/>
+      </p:par>
+    </p:tnLst>
+  </p:timing>
 </p:sld>
 </file>
 
@@ -4576,7 +4599,7 @@
     </p:spTree>
     <p:extLst>
       <p:ext uri="{BB962C8B-B14F-4D97-AF65-F5344CB8AC3E}">
-        <p14:creationId xmlns:p14="http://schemas.microsoft.com/office/powerpoint/2010/main" xmlns="" val="3788791858"/>
+        <p14:creationId xmlns="" xmlns:p14="http://schemas.microsoft.com/office/powerpoint/2010/main" val="3788791858"/>
       </p:ext>
     </p:extLst>
   </p:cSld>
@@ -4586,6 +4609,13 @@
   <p:transition>
     <p:fade/>
   </p:transition>
+  <p:timing>
+    <p:tnLst>
+      <p:par>
+        <p:cTn id="1" dur="indefinite" restart="never" nodeType="tmRoot"/>
+      </p:par>
+    </p:tnLst>
+  </p:timing>
 </p:sld>
 </file>
 
@@ -4632,20 +4662,7 @@
                 </a:effectLst>
                 <a:latin typeface="Century Gothic" pitchFamily="34" charset="0"/>
               </a:rPr>
-              <a:t>M</a:t>
-            </a:r>
-            <a:r>
-              <a:rPr lang="pl-PL" dirty="0" smtClean="0">
-                <a:effectLst>
-                  <a:outerShdw blurRad="38100" dist="38100" dir="2700000" algn="tl">
-                    <a:srgbClr val="000000">
-                      <a:alpha val="43137"/>
-                    </a:srgbClr>
-                  </a:outerShdw>
-                </a:effectLst>
-                <a:latin typeface="Century Gothic" pitchFamily="34" charset="0"/>
-              </a:rPr>
-              <a:t>odel sieci</a:t>
+              <a:t>Model sieci</a:t>
             </a:r>
             <a:endParaRPr lang="pl-PL" dirty="0">
               <a:effectLst>
@@ -5890,7 +5907,7 @@
     </p:spTree>
     <p:extLst>
       <p:ext uri="{BB962C8B-B14F-4D97-AF65-F5344CB8AC3E}">
-        <p14:creationId xmlns:p14="http://schemas.microsoft.com/office/powerpoint/2010/main" xmlns="" val="2682888474"/>
+        <p14:creationId xmlns="" xmlns:p14="http://schemas.microsoft.com/office/powerpoint/2010/main" val="2682888474"/>
       </p:ext>
     </p:extLst>
   </p:cSld>
@@ -5900,6 +5917,13 @@
   <p:transition>
     <p:fade/>
   </p:transition>
+  <p:timing>
+    <p:tnLst>
+      <p:par>
+        <p:cTn id="1" dur="indefinite" restart="never" nodeType="tmRoot"/>
+      </p:par>
+    </p:tnLst>
+  </p:timing>
 </p:sld>
 </file>
 
@@ -6061,7 +6085,7 @@
     </p:spTree>
     <p:extLst>
       <p:ext uri="{BB962C8B-B14F-4D97-AF65-F5344CB8AC3E}">
-        <p14:creationId xmlns:p14="http://schemas.microsoft.com/office/powerpoint/2010/main" xmlns="" val="3390571301"/>
+        <p14:creationId xmlns="" xmlns:p14="http://schemas.microsoft.com/office/powerpoint/2010/main" val="3390571301"/>
       </p:ext>
     </p:extLst>
   </p:cSld>
@@ -6071,6 +6095,13 @@
   <p:transition>
     <p:fade/>
   </p:transition>
+  <p:timing>
+    <p:tnLst>
+      <p:par>
+        <p:cTn id="1" dur="indefinite" restart="never" nodeType="tmRoot"/>
+      </p:par>
+    </p:tnLst>
+  </p:timing>
 </p:sld>
 </file>
 

--- a/Prezentacja.pptx
+++ b/Prezentacja.pptx
@@ -4142,7 +4142,7 @@
         <p:spPr>
           <a:xfrm>
             <a:off x="971600" y="4005064"/>
-            <a:ext cx="6048672" cy="2031325"/>
+            <a:ext cx="6048672" cy="1200329"/>
           </a:xfrm>
           <a:prstGeom prst="rect">
             <a:avLst/>
@@ -4164,15 +4164,6 @@
                 <a:latin typeface="Century Gothic" pitchFamily="34" charset="0"/>
               </a:rPr>
               <a:t>Powyższa ilustracja pokazuje sposób działania pasma ochronnego oraz różnorodności zajmowanych szczelin przez sygnały w zależności od potrzeb/wymogów. </a:t>
-            </a:r>
-            <a:r>
-              <a:rPr lang="pl-PL" sz="2400" smtClean="0">
-                <a:solidFill>
-                  <a:srgbClr val="FF0000"/>
-                </a:solidFill>
-                <a:latin typeface="Century Gothic" pitchFamily="34" charset="0"/>
-              </a:rPr>
-              <a:t>NIE WIEM CZY PISAĆ O PAŚMIE OCHRONNYM BO NIE MAMY TEGO W PROJEKCIE !!!!</a:t>
             </a:r>
             <a:endParaRPr lang="pl-PL" dirty="0">
               <a:solidFill>
@@ -4275,19 +4266,31 @@
           <a:lstStyle/>
           <a:p>
             <a:r>
-              <a:rPr lang="pl-PL" sz="1800" dirty="0" smtClean="0">
-                <a:latin typeface="Century Gothic" pitchFamily="34" charset="0"/>
-              </a:rPr>
-              <a:t>Cloud – odpowiada tylko za </a:t>
-            </a:r>
-            <a:r>
-              <a:rPr lang="pl-PL" sz="1800" dirty="0" err="1" smtClean="0">
+              <a:rPr lang="pl-PL" sz="1700" dirty="0" smtClean="0">
+                <a:latin typeface="Century Gothic" pitchFamily="34" charset="0"/>
+              </a:rPr>
+              <a:t>Cloud – </a:t>
+            </a:r>
+            <a:r>
+              <a:rPr lang="pl-PL" sz="1700" dirty="0" smtClean="0">
+                <a:latin typeface="Century Gothic" pitchFamily="34" charset="0"/>
+              </a:rPr>
+              <a:t>reprezentuje sieć kablową, odpowiada </a:t>
+            </a:r>
+            <a:r>
+              <a:rPr lang="pl-PL" sz="1700" dirty="0" smtClean="0">
+                <a:latin typeface="Century Gothic" pitchFamily="34" charset="0"/>
+              </a:rPr>
+              <a:t>tylko za </a:t>
+            </a:r>
+            <a:r>
+              <a:rPr lang="pl-PL" sz="1700" dirty="0" err="1" smtClean="0">
                 <a:latin typeface="Century Gothic" pitchFamily="34" charset="0"/>
               </a:rPr>
               <a:t>przekierowanie</a:t>
             </a:r>
             <a:r>
-              <a:rPr lang="pl-PL" sz="1800" dirty="0" smtClean="0">
+              <a:rPr lang="pl-PL" sz="1700" dirty="0" smtClean="0">
                 <a:latin typeface="Century Gothic" pitchFamily="34" charset="0"/>
               </a:rPr>
               <a:t> sygnału </a:t>
@@ -4295,7 +4298,7 @@
           </a:p>
           <a:p>
             <a:r>
-              <a:rPr lang="pl-PL" sz="1800" dirty="0" smtClean="0">
+              <a:rPr lang="pl-PL" sz="1700" dirty="0" smtClean="0">
                 <a:latin typeface="Century Gothic" pitchFamily="34" charset="0"/>
               </a:rPr>
               <a:t>Manager – posiada informacje o stanie łączy i węzłów, oraz może w nie ingerować.</a:t>
@@ -4303,66 +4306,221 @@
           </a:p>
           <a:p>
             <a:r>
-              <a:rPr lang="pl-PL" sz="1800" dirty="0" err="1" smtClean="0">
+              <a:rPr lang="pl-PL" sz="1700" dirty="0" err="1" smtClean="0">
                 <a:latin typeface="Century Gothic" pitchFamily="34" charset="0"/>
               </a:rPr>
               <a:t>Client</a:t>
             </a:r>
             <a:r>
-              <a:rPr lang="pl-PL" sz="1800" dirty="0" smtClean="0">
-                <a:latin typeface="Century Gothic" pitchFamily="34" charset="0"/>
-              </a:rPr>
-              <a:t> – nie posiada żadnej informacji o sieci, ani o tym co się w niej dzieje, może wysłać żądanie udostępnienia szczelin w celu wysłania sygnału danych.</a:t>
-            </a:r>
-          </a:p>
-          <a:p>
-            <a:r>
-              <a:rPr lang="pl-PL" sz="1800" dirty="0" smtClean="0">
+              <a:rPr lang="pl-PL" sz="1700" dirty="0" smtClean="0">
+                <a:latin typeface="Century Gothic" pitchFamily="34" charset="0"/>
+              </a:rPr>
+              <a:t> – nie </a:t>
+            </a:r>
+            <a:r>
+              <a:rPr lang="pl-PL" sz="1700" dirty="0" smtClean="0">
+                <a:latin typeface="Century Gothic" pitchFamily="34" charset="0"/>
+              </a:rPr>
+              <a:t>posiada </a:t>
+            </a:r>
+            <a:r>
+              <a:rPr lang="pl-PL" sz="1700" dirty="0" smtClean="0">
+                <a:latin typeface="Century Gothic" pitchFamily="34" charset="0"/>
+              </a:rPr>
+              <a:t>informacji </a:t>
+            </a:r>
+            <a:r>
+              <a:rPr lang="pl-PL" sz="1700" dirty="0" smtClean="0">
+                <a:latin typeface="Century Gothic" pitchFamily="34" charset="0"/>
+              </a:rPr>
+              <a:t>o topologii </a:t>
+            </a:r>
+            <a:r>
+              <a:rPr lang="pl-PL" sz="1700" dirty="0" smtClean="0">
+                <a:latin typeface="Century Gothic" pitchFamily="34" charset="0"/>
+              </a:rPr>
+              <a:t>sieci, ani o tym co się w niej </a:t>
+            </a:r>
+            <a:r>
+              <a:rPr lang="pl-PL" sz="1700" dirty="0" smtClean="0">
+                <a:latin typeface="Century Gothic" pitchFamily="34" charset="0"/>
+              </a:rPr>
+              <a:t>dzieje. Każdy z klientów jest podłączony do jednego Network </a:t>
+            </a:r>
+            <a:r>
+              <a:rPr lang="pl-PL" sz="1700" dirty="0" err="1" smtClean="0">
+                <a:latin typeface="Century Gothic" pitchFamily="34" charset="0"/>
+              </a:rPr>
+              <a:t>Node’a</a:t>
+            </a:r>
+            <a:r>
+              <a:rPr lang="pl-PL" sz="1700" dirty="0" smtClean="0">
+                <a:latin typeface="Century Gothic" pitchFamily="34" charset="0"/>
+              </a:rPr>
+              <a:t> </a:t>
+            </a:r>
+            <a:r>
+              <a:rPr lang="pl-PL" sz="1700" dirty="0" smtClean="0">
+                <a:latin typeface="Century Gothic" pitchFamily="34" charset="0"/>
+              </a:rPr>
+              <a:t>i za jego pomocą możliwa jest komunikacja z innym klientem w sieci.</a:t>
+            </a:r>
+            <a:endParaRPr lang="pl-PL" sz="1700" dirty="0" smtClean="0">
+              <a:latin typeface="Century Gothic" pitchFamily="34" charset="0"/>
+            </a:endParaRPr>
+          </a:p>
+          <a:p>
+            <a:r>
+              <a:rPr lang="pl-PL" sz="1700" dirty="0" smtClean="0">
                 <a:latin typeface="Century Gothic" pitchFamily="34" charset="0"/>
               </a:rPr>
               <a:t>Network </a:t>
             </a:r>
             <a:r>
-              <a:rPr lang="pl-PL" sz="1800" dirty="0" err="1" smtClean="0">
+              <a:rPr lang="pl-PL" sz="1700" dirty="0" err="1" smtClean="0">
                 <a:latin typeface="Century Gothic" pitchFamily="34" charset="0"/>
               </a:rPr>
               <a:t>Node</a:t>
             </a:r>
             <a:r>
-              <a:rPr lang="pl-PL" sz="1800" dirty="0" smtClean="0">
-                <a:latin typeface="Century Gothic" pitchFamily="34" charset="0"/>
-              </a:rPr>
-              <a:t> – nie posiada informacji o topologii sieci, zajmuje się komutowaniem sygnału</a:t>
-            </a:r>
-          </a:p>
-          <a:p>
-            <a:r>
-              <a:rPr lang="pl-PL" sz="1800" dirty="0" smtClean="0">
-                <a:latin typeface="Century Gothic" pitchFamily="34" charset="0"/>
-              </a:rPr>
-              <a:t>Agent – odpowiada za komunikację z </a:t>
-            </a:r>
-            <a:r>
-              <a:rPr lang="pl-PL" sz="1800" dirty="0" err="1" smtClean="0">
+              <a:rPr lang="pl-PL" sz="1700" dirty="0" smtClean="0">
+                <a:latin typeface="Century Gothic" pitchFamily="34" charset="0"/>
+              </a:rPr>
+              <a:t> – nie posiada informacji o topologii sieci</a:t>
+            </a:r>
+            <a:r>
+              <a:rPr lang="pl-PL" sz="1700" dirty="0" smtClean="0">
+                <a:latin typeface="Century Gothic" pitchFamily="34" charset="0"/>
+              </a:rPr>
+              <a:t>, zamienia sygnał szary na kolorowy(</a:t>
+            </a:r>
+            <a:r>
+              <a:rPr lang="pl-PL" sz="1700" dirty="0" err="1" smtClean="0">
+                <a:latin typeface="Century Gothic" pitchFamily="34" charset="0"/>
+              </a:rPr>
+              <a:t>transponder</a:t>
+            </a:r>
+            <a:r>
+              <a:rPr lang="pl-PL" sz="1700" dirty="0" smtClean="0">
+                <a:latin typeface="Century Gothic" pitchFamily="34" charset="0"/>
+              </a:rPr>
+              <a:t>) oraz </a:t>
+            </a:r>
+            <a:r>
+              <a:rPr lang="pl-PL" sz="1700" dirty="0" err="1" smtClean="0">
+                <a:latin typeface="Century Gothic" pitchFamily="34" charset="0"/>
+              </a:rPr>
+              <a:t>przekierowuje</a:t>
+            </a:r>
+            <a:r>
+              <a:rPr lang="pl-PL" sz="1700" dirty="0" smtClean="0">
+                <a:latin typeface="Century Gothic" pitchFamily="34" charset="0"/>
+              </a:rPr>
+              <a:t> sygnał z odpowiedniego wejścia na odpowiednie wyjście – zgodnie z tablicą komutacji</a:t>
+            </a:r>
+            <a:endParaRPr lang="pl-PL" sz="1700" dirty="0" smtClean="0">
+              <a:latin typeface="Century Gothic" pitchFamily="34" charset="0"/>
+            </a:endParaRPr>
+          </a:p>
+          <a:p>
+            <a:r>
+              <a:rPr lang="pl-PL" sz="1700" dirty="0" smtClean="0">
+                <a:latin typeface="Century Gothic" pitchFamily="34" charset="0"/>
+              </a:rPr>
+              <a:t>Agent – </a:t>
+            </a:r>
+            <a:r>
+              <a:rPr lang="pl-PL" sz="1700" dirty="0" smtClean="0">
+                <a:latin typeface="Century Gothic" pitchFamily="34" charset="0"/>
+              </a:rPr>
+              <a:t>jest umieszczony w każdym Network </a:t>
+            </a:r>
+            <a:r>
+              <a:rPr lang="pl-PL" sz="1700" dirty="0" err="1" smtClean="0">
+                <a:latin typeface="Century Gothic" pitchFamily="34" charset="0"/>
+              </a:rPr>
+              <a:t>Nodzie</a:t>
+            </a:r>
+            <a:r>
+              <a:rPr lang="pl-PL" sz="1700" dirty="0" smtClean="0">
+                <a:latin typeface="Century Gothic" pitchFamily="34" charset="0"/>
+              </a:rPr>
+              <a:t>, odpowiada </a:t>
+            </a:r>
+            <a:r>
+              <a:rPr lang="pl-PL" sz="1700" dirty="0" smtClean="0">
+                <a:latin typeface="Century Gothic" pitchFamily="34" charset="0"/>
+              </a:rPr>
+              <a:t>za komunikację z </a:t>
+            </a:r>
+            <a:r>
+              <a:rPr lang="pl-PL" sz="1700" dirty="0" err="1" smtClean="0">
                 <a:latin typeface="Century Gothic" pitchFamily="34" charset="0"/>
               </a:rPr>
               <a:t>Manager’em</a:t>
             </a:r>
             <a:r>
-              <a:rPr lang="pl-PL" sz="1800" dirty="0" smtClean="0">
-                <a:latin typeface="Century Gothic" pitchFamily="34" charset="0"/>
-              </a:rPr>
-              <a:t> oraz wykonywanie jego poleceń.</a:t>
-            </a:r>
-          </a:p>
-          <a:p>
-            <a:r>
-              <a:rPr lang="pl-PL" sz="1800" dirty="0" smtClean="0">
-                <a:latin typeface="Century Gothic" pitchFamily="34" charset="0"/>
-              </a:rPr>
-              <a:t>Poszczególne elementy sieci są od siebie niezależne</a:t>
-            </a:r>
-            <a:endParaRPr lang="pl-PL" sz="1800" dirty="0">
+              <a:rPr lang="pl-PL" sz="1700" dirty="0" smtClean="0">
+                <a:latin typeface="Century Gothic" pitchFamily="34" charset="0"/>
+              </a:rPr>
+              <a:t> oraz wykonywanie jego poleceń</a:t>
+            </a:r>
+            <a:r>
+              <a:rPr lang="pl-PL" sz="1700" dirty="0" smtClean="0">
+                <a:latin typeface="Century Gothic" pitchFamily="34" charset="0"/>
+              </a:rPr>
+              <a:t>. Uruchomienie agenta jest opcjonalne.</a:t>
+            </a:r>
+            <a:endParaRPr lang="pl-PL" sz="1700" dirty="0" smtClean="0">
+              <a:latin typeface="Century Gothic" pitchFamily="34" charset="0"/>
+            </a:endParaRPr>
+          </a:p>
+          <a:p>
+            <a:r>
+              <a:rPr lang="pl-PL" sz="1700" dirty="0" smtClean="0">
+                <a:latin typeface="Century Gothic" pitchFamily="34" charset="0"/>
+              </a:rPr>
+              <a:t>Poszczególne elementy sieci są od siebie </a:t>
+            </a:r>
+            <a:r>
+              <a:rPr lang="pl-PL" sz="1700" dirty="0" smtClean="0">
+                <a:latin typeface="Century Gothic" pitchFamily="34" charset="0"/>
+              </a:rPr>
+              <a:t>niezależne</a:t>
+            </a:r>
+          </a:p>
+          <a:p>
+            <a:r>
+              <a:rPr lang="pl-PL" sz="1700" dirty="0" smtClean="0">
+                <a:latin typeface="Century Gothic" pitchFamily="34" charset="0"/>
+              </a:rPr>
+              <a:t>Komunikacja pomiędzy </a:t>
+            </a:r>
+            <a:r>
+              <a:rPr lang="pl-PL" sz="1700" dirty="0" err="1" smtClean="0">
+                <a:latin typeface="Century Gothic" pitchFamily="34" charset="0"/>
+              </a:rPr>
+              <a:t>Client’em</a:t>
+            </a:r>
+            <a:r>
+              <a:rPr lang="pl-PL" sz="1700" dirty="0" smtClean="0">
+                <a:latin typeface="Century Gothic" pitchFamily="34" charset="0"/>
+              </a:rPr>
+              <a:t> i Network </a:t>
+            </a:r>
+            <a:r>
+              <a:rPr lang="pl-PL" sz="1700" dirty="0" err="1" smtClean="0">
+                <a:latin typeface="Century Gothic" pitchFamily="34" charset="0"/>
+              </a:rPr>
+              <a:t>Node’m</a:t>
+            </a:r>
+            <a:r>
+              <a:rPr lang="pl-PL" sz="1700" dirty="0" smtClean="0">
+                <a:latin typeface="Century Gothic" pitchFamily="34" charset="0"/>
+              </a:rPr>
+              <a:t>, odbywa się poprzez interfejs „szary”.</a:t>
+            </a:r>
+            <a:endParaRPr lang="pl-PL" sz="1700" dirty="0">
               <a:latin typeface="Century Gothic" pitchFamily="34" charset="0"/>
             </a:endParaRPr>
           </a:p>
@@ -4599,7 +4757,7 @@
     </p:spTree>
     <p:extLst>
       <p:ext uri="{BB962C8B-B14F-4D97-AF65-F5344CB8AC3E}">
-        <p14:creationId xmlns="" xmlns:p14="http://schemas.microsoft.com/office/powerpoint/2010/main" val="3788791858"/>
+        <p14:creationId xmlns:p14="http://schemas.microsoft.com/office/powerpoint/2010/main" xmlns="" val="3788791858"/>
       </p:ext>
     </p:extLst>
   </p:cSld>
@@ -5907,7 +6065,7 @@
     </p:spTree>
     <p:extLst>
       <p:ext uri="{BB962C8B-B14F-4D97-AF65-F5344CB8AC3E}">
-        <p14:creationId xmlns="" xmlns:p14="http://schemas.microsoft.com/office/powerpoint/2010/main" val="2682888474"/>
+        <p14:creationId xmlns:p14="http://schemas.microsoft.com/office/powerpoint/2010/main" xmlns="" val="2682888474"/>
       </p:ext>
     </p:extLst>
   </p:cSld>
@@ -6085,7 +6243,7 @@
     </p:spTree>
     <p:extLst>
       <p:ext uri="{BB962C8B-B14F-4D97-AF65-F5344CB8AC3E}">
-        <p14:creationId xmlns="" xmlns:p14="http://schemas.microsoft.com/office/powerpoint/2010/main" val="3390571301"/>
+        <p14:creationId xmlns:p14="http://schemas.microsoft.com/office/powerpoint/2010/main" xmlns="" val="3390571301"/>
       </p:ext>
     </p:extLst>
   </p:cSld>

--- a/Prezentacja.pptx
+++ b/Prezentacja.pptx
@@ -10,11 +10,10 @@
     <p:sldId id="264" r:id="rId4"/>
     <p:sldId id="265" r:id="rId5"/>
     <p:sldId id="258" r:id="rId6"/>
-    <p:sldId id="261" r:id="rId7"/>
-    <p:sldId id="260" r:id="rId8"/>
-    <p:sldId id="262" r:id="rId9"/>
-    <p:sldId id="263" r:id="rId10"/>
-    <p:sldId id="259" r:id="rId11"/>
+    <p:sldId id="260" r:id="rId7"/>
+    <p:sldId id="262" r:id="rId8"/>
+    <p:sldId id="263" r:id="rId9"/>
+    <p:sldId id="259" r:id="rId10"/>
   </p:sldIdLst>
   <p:sldSz cx="9144000" cy="6858000" type="screen4x3"/>
   <p:notesSz cx="6858000" cy="9144000"/>
@@ -3388,139 +3387,6 @@
 </p:sld>
 </file>
 
-<file path=ppt/slides/slide10.xml><?xml version="1.0" encoding="utf-8"?>
-<p:sld xmlns:a="http://schemas.openxmlformats.org/drawingml/2006/main" xmlns:r="http://schemas.openxmlformats.org/officeDocument/2006/relationships" xmlns:p="http://schemas.openxmlformats.org/presentationml/2006/main">
-  <p:cSld>
-    <p:spTree>
-      <p:nvGrpSpPr>
-        <p:cNvPr id="1" name=""/>
-        <p:cNvGrpSpPr/>
-        <p:nvPr/>
-      </p:nvGrpSpPr>
-      <p:grpSpPr>
-        <a:xfrm>
-          <a:off x="0" y="0"/>
-          <a:ext cx="0" cy="0"/>
-          <a:chOff x="0" y="0"/>
-          <a:chExt cx="0" cy="0"/>
-        </a:xfrm>
-      </p:grpSpPr>
-      <p:sp>
-        <p:nvSpPr>
-          <p:cNvPr id="2" name="Tytuł 1"/>
-          <p:cNvSpPr>
-            <a:spLocks noGrp="1"/>
-          </p:cNvSpPr>
-          <p:nvPr>
-            <p:ph type="title"/>
-          </p:nvPr>
-        </p:nvSpPr>
-        <p:spPr/>
-        <p:txBody>
-          <a:bodyPr/>
-          <a:lstStyle/>
-          <a:p>
-            <a:r>
-              <a:rPr lang="pl-PL" dirty="0" smtClean="0">
-                <a:effectLst>
-                  <a:outerShdw blurRad="38100" dist="38100" dir="2700000" algn="tl">
-                    <a:srgbClr val="000000">
-                      <a:alpha val="43137"/>
-                    </a:srgbClr>
-                  </a:outerShdw>
-                </a:effectLst>
-                <a:latin typeface="Century Gothic" pitchFamily="34" charset="0"/>
-              </a:rPr>
-              <a:t>Koniec</a:t>
-            </a:r>
-            <a:endParaRPr lang="pl-PL" dirty="0">
-              <a:effectLst>
-                <a:outerShdw blurRad="38100" dist="38100" dir="2700000" algn="tl">
-                  <a:srgbClr val="000000">
-                    <a:alpha val="43137"/>
-                  </a:srgbClr>
-                </a:outerShdw>
-              </a:effectLst>
-              <a:latin typeface="Century Gothic" pitchFamily="34" charset="0"/>
-            </a:endParaRPr>
-          </a:p>
-        </p:txBody>
-      </p:sp>
-      <p:sp>
-        <p:nvSpPr>
-          <p:cNvPr id="3" name="Symbol zastępczy zawartości 2"/>
-          <p:cNvSpPr>
-            <a:spLocks noGrp="1"/>
-          </p:cNvSpPr>
-          <p:nvPr>
-            <p:ph idx="1"/>
-          </p:nvPr>
-        </p:nvSpPr>
-        <p:spPr>
-          <a:xfrm>
-            <a:off x="467544" y="2708920"/>
-            <a:ext cx="8229600" cy="3352800"/>
-          </a:xfrm>
-        </p:spPr>
-        <p:txBody>
-          <a:bodyPr/>
-          <a:lstStyle/>
-          <a:p>
-            <a:pPr>
-              <a:buNone/>
-            </a:pPr>
-            <a:endParaRPr lang="pl-PL" sz="2000" dirty="0" smtClean="0">
-              <a:latin typeface="Century Gothic" pitchFamily="34" charset="0"/>
-            </a:endParaRPr>
-          </a:p>
-          <a:p>
-            <a:pPr algn="ctr">
-              <a:buNone/>
-            </a:pPr>
-            <a:r>
-              <a:rPr lang="pl-PL" sz="4800" dirty="0" smtClean="0">
-                <a:effectLst>
-                  <a:outerShdw blurRad="38100" dist="38100" dir="2700000" algn="tl">
-                    <a:srgbClr val="000000">
-                      <a:alpha val="43137"/>
-                    </a:srgbClr>
-                  </a:outerShdw>
-                </a:effectLst>
-                <a:latin typeface="Century Gothic" pitchFamily="34" charset="0"/>
-              </a:rPr>
-              <a:t>Dziękujemy za uwagę !</a:t>
-            </a:r>
-            <a:endParaRPr lang="pl-PL" sz="4800" dirty="0">
-              <a:effectLst>
-                <a:outerShdw blurRad="38100" dist="38100" dir="2700000" algn="tl">
-                  <a:srgbClr val="000000">
-                    <a:alpha val="43137"/>
-                  </a:srgbClr>
-                </a:outerShdw>
-              </a:effectLst>
-              <a:latin typeface="Century Gothic" pitchFamily="34" charset="0"/>
-            </a:endParaRPr>
-          </a:p>
-        </p:txBody>
-      </p:sp>
-    </p:spTree>
-  </p:cSld>
-  <p:clrMapOvr>
-    <a:masterClrMapping/>
-  </p:clrMapOvr>
-  <p:transition>
-    <p:fade/>
-  </p:transition>
-  <p:timing>
-    <p:tnLst>
-      <p:par>
-        <p:cTn id="1" dur="indefinite" restart="never" nodeType="tmRoot"/>
-      </p:par>
-    </p:tnLst>
-  </p:timing>
-</p:sld>
-</file>
-
 <file path=ppt/slides/slide2.xml><?xml version="1.0" encoding="utf-8"?>
 <p:sld xmlns:a="http://schemas.openxmlformats.org/drawingml/2006/main" xmlns:r="http://schemas.openxmlformats.org/officeDocument/2006/relationships" xmlns:p="http://schemas.openxmlformats.org/presentationml/2006/main">
   <p:cSld>
@@ -4260,37 +4126,30 @@
             <p:ph idx="1"/>
           </p:nvPr>
         </p:nvSpPr>
-        <p:spPr/>
+        <p:spPr>
+          <a:xfrm>
+            <a:off x="467544" y="1844824"/>
+            <a:ext cx="8229600" cy="3352800"/>
+          </a:xfrm>
+        </p:spPr>
         <p:txBody>
           <a:bodyPr/>
           <a:lstStyle/>
           <a:p>
             <a:r>
-              <a:rPr lang="pl-PL" sz="1700" dirty="0" smtClean="0">
-                <a:latin typeface="Century Gothic" pitchFamily="34" charset="0"/>
-              </a:rPr>
-              <a:t>Cloud – </a:t>
-            </a:r>
-            <a:r>
-              <a:rPr lang="pl-PL" sz="1700" dirty="0" smtClean="0">
-                <a:latin typeface="Century Gothic" pitchFamily="34" charset="0"/>
-              </a:rPr>
-              <a:t>reprezentuje sieć kablową, odpowiada </a:t>
-            </a:r>
-            <a:r>
-              <a:rPr lang="pl-PL" sz="1700" dirty="0" smtClean="0">
-                <a:latin typeface="Century Gothic" pitchFamily="34" charset="0"/>
-              </a:rPr>
-              <a:t>tylko za </a:t>
-            </a:r>
-            <a:r>
-              <a:rPr lang="pl-PL" sz="1700" dirty="0" err="1" smtClean="0">
+              <a:rPr lang="pl-PL" sz="1600" dirty="0" smtClean="0">
+                <a:latin typeface="Century Gothic" pitchFamily="34" charset="0"/>
+              </a:rPr>
+              <a:t>Cloud – reprezentuje sieć kablową, odpowiada tylko za </a:t>
+            </a:r>
+            <a:r>
+              <a:rPr lang="pl-PL" sz="1600" dirty="0" err="1" smtClean="0">
                 <a:latin typeface="Century Gothic" pitchFamily="34" charset="0"/>
               </a:rPr>
               <a:t>przekierowanie</a:t>
             </a:r>
             <a:r>
-              <a:rPr lang="pl-PL" sz="1700" dirty="0" smtClean="0">
+              <a:rPr lang="pl-PL" sz="1600" dirty="0" smtClean="0">
                 <a:latin typeface="Century Gothic" pitchFamily="34" charset="0"/>
               </a:rPr>
               <a:t> sygnału </a:t>
@@ -4298,229 +4157,182 @@
           </a:p>
           <a:p>
             <a:r>
-              <a:rPr lang="pl-PL" sz="1700" dirty="0" smtClean="0">
-                <a:latin typeface="Century Gothic" pitchFamily="34" charset="0"/>
-              </a:rPr>
-              <a:t>Manager – posiada informacje o stanie łączy i węzłów, oraz może w nie ingerować.</a:t>
-            </a:r>
-          </a:p>
-          <a:p>
-            <a:r>
-              <a:rPr lang="pl-PL" sz="1700" dirty="0" err="1" smtClean="0">
+              <a:rPr lang="pl-PL" sz="1600" dirty="0" smtClean="0">
+                <a:latin typeface="Century Gothic" pitchFamily="34" charset="0"/>
+              </a:rPr>
+              <a:t>Manager – ma wgląd do pól komutacyjnych węzłów za pośrednictwem Agenta, może sprawdzać ich stan, zestawiać i usuwać</a:t>
+            </a:r>
+          </a:p>
+          <a:p>
+            <a:r>
+              <a:rPr lang="pl-PL" sz="1600" dirty="0" err="1" smtClean="0">
                 <a:latin typeface="Century Gothic" pitchFamily="34" charset="0"/>
               </a:rPr>
               <a:t>Client</a:t>
             </a:r>
             <a:r>
-              <a:rPr lang="pl-PL" sz="1700" dirty="0" smtClean="0">
-                <a:latin typeface="Century Gothic" pitchFamily="34" charset="0"/>
-              </a:rPr>
-              <a:t> – nie </a:t>
-            </a:r>
-            <a:r>
-              <a:rPr lang="pl-PL" sz="1700" dirty="0" smtClean="0">
-                <a:latin typeface="Century Gothic" pitchFamily="34" charset="0"/>
-              </a:rPr>
-              <a:t>posiada </a:t>
-            </a:r>
-            <a:r>
-              <a:rPr lang="pl-PL" sz="1700" dirty="0" smtClean="0">
-                <a:latin typeface="Century Gothic" pitchFamily="34" charset="0"/>
-              </a:rPr>
-              <a:t>informacji </a:t>
-            </a:r>
-            <a:r>
-              <a:rPr lang="pl-PL" sz="1700" dirty="0" smtClean="0">
-                <a:latin typeface="Century Gothic" pitchFamily="34" charset="0"/>
-              </a:rPr>
-              <a:t>o topologii </a:t>
-            </a:r>
-            <a:r>
-              <a:rPr lang="pl-PL" sz="1700" dirty="0" smtClean="0">
-                <a:latin typeface="Century Gothic" pitchFamily="34" charset="0"/>
-              </a:rPr>
-              <a:t>sieci, ani o tym co się w niej </a:t>
-            </a:r>
-            <a:r>
-              <a:rPr lang="pl-PL" sz="1700" dirty="0" smtClean="0">
-                <a:latin typeface="Century Gothic" pitchFamily="34" charset="0"/>
-              </a:rPr>
-              <a:t>dzieje. Każdy z klientów jest podłączony do jednego Network </a:t>
-            </a:r>
-            <a:r>
-              <a:rPr lang="pl-PL" sz="1700" dirty="0" err="1" smtClean="0">
+              <a:rPr lang="pl-PL" sz="1600" dirty="0" smtClean="0">
+                <a:latin typeface="Century Gothic" pitchFamily="34" charset="0"/>
+              </a:rPr>
+              <a:t> – nie posiada informacji o topologii sieci, ani o tym co się w niej dzieje. Każdy z klientów jest podłączony do jednego Network </a:t>
+            </a:r>
+            <a:r>
+              <a:rPr lang="pl-PL" sz="1600" dirty="0" err="1" smtClean="0">
                 <a:latin typeface="Century Gothic" pitchFamily="34" charset="0"/>
               </a:rPr>
               <a:t>Node’a</a:t>
             </a:r>
             <a:r>
-              <a:rPr lang="pl-PL" sz="1700" dirty="0" smtClean="0">
-                <a:latin typeface="Century Gothic" pitchFamily="34" charset="0"/>
-              </a:rPr>
-              <a:t> </a:t>
-            </a:r>
-            <a:r>
-              <a:rPr lang="pl-PL" sz="1700" dirty="0" smtClean="0">
-                <a:latin typeface="Century Gothic" pitchFamily="34" charset="0"/>
-              </a:rPr>
-              <a:t>i za jego pomocą możliwa jest komunikacja z innym klientem w sieci.</a:t>
-            </a:r>
-            <a:endParaRPr lang="pl-PL" sz="1700" dirty="0" smtClean="0">
-              <a:latin typeface="Century Gothic" pitchFamily="34" charset="0"/>
-            </a:endParaRPr>
-          </a:p>
-          <a:p>
-            <a:r>
-              <a:rPr lang="pl-PL" sz="1700" dirty="0" smtClean="0">
+              <a:rPr lang="pl-PL" sz="1600" dirty="0" smtClean="0">
+                <a:latin typeface="Century Gothic" pitchFamily="34" charset="0"/>
+              </a:rPr>
+              <a:t> i za jego pomocą możliwa jest komunikacja z innym klientem w sieci.</a:t>
+            </a:r>
+          </a:p>
+          <a:p>
+            <a:r>
+              <a:rPr lang="pl-PL" sz="1600" dirty="0" smtClean="0">
                 <a:latin typeface="Century Gothic" pitchFamily="34" charset="0"/>
               </a:rPr>
               <a:t>Network </a:t>
             </a:r>
             <a:r>
-              <a:rPr lang="pl-PL" sz="1700" dirty="0" err="1" smtClean="0">
+              <a:rPr lang="pl-PL" sz="1600" dirty="0" err="1" smtClean="0">
                 <a:latin typeface="Century Gothic" pitchFamily="34" charset="0"/>
               </a:rPr>
               <a:t>Node</a:t>
             </a:r>
             <a:r>
-              <a:rPr lang="pl-PL" sz="1700" dirty="0" smtClean="0">
-                <a:latin typeface="Century Gothic" pitchFamily="34" charset="0"/>
-              </a:rPr>
-              <a:t> – nie posiada informacji o topologii sieci</a:t>
-            </a:r>
-            <a:r>
-              <a:rPr lang="pl-PL" sz="1700" dirty="0" smtClean="0">
-                <a:latin typeface="Century Gothic" pitchFamily="34" charset="0"/>
-              </a:rPr>
-              <a:t>, zamienia sygnał szary na kolorowy(</a:t>
-            </a:r>
-            <a:r>
-              <a:rPr lang="pl-PL" sz="1700" dirty="0" err="1" smtClean="0">
+              <a:rPr lang="pl-PL" sz="1600" dirty="0" smtClean="0">
+                <a:latin typeface="Century Gothic" pitchFamily="34" charset="0"/>
+              </a:rPr>
+              <a:t> – nie posiada informacji o topologii sieci, zamienia sygnał szary na kolorowy(</a:t>
+            </a:r>
+            <a:r>
+              <a:rPr lang="pl-PL" sz="1600" dirty="0" err="1" smtClean="0">
                 <a:latin typeface="Century Gothic" pitchFamily="34" charset="0"/>
               </a:rPr>
               <a:t>transponder</a:t>
             </a:r>
             <a:r>
-              <a:rPr lang="pl-PL" sz="1700" dirty="0" smtClean="0">
+              <a:rPr lang="pl-PL" sz="1600" dirty="0" smtClean="0">
                 <a:latin typeface="Century Gothic" pitchFamily="34" charset="0"/>
               </a:rPr>
               <a:t>) oraz </a:t>
             </a:r>
             <a:r>
-              <a:rPr lang="pl-PL" sz="1700" dirty="0" err="1" smtClean="0">
+              <a:rPr lang="pl-PL" sz="1600" dirty="0" err="1" smtClean="0">
                 <a:latin typeface="Century Gothic" pitchFamily="34" charset="0"/>
               </a:rPr>
               <a:t>przekierowuje</a:t>
             </a:r>
             <a:r>
-              <a:rPr lang="pl-PL" sz="1700" dirty="0" smtClean="0">
+              <a:rPr lang="pl-PL" sz="1600" dirty="0" smtClean="0">
                 <a:latin typeface="Century Gothic" pitchFamily="34" charset="0"/>
               </a:rPr>
               <a:t> sygnał z odpowiedniego wejścia na odpowiednie wyjście – zgodnie z tablicą komutacji</a:t>
             </a:r>
-            <a:endParaRPr lang="pl-PL" sz="1700" dirty="0" smtClean="0">
-              <a:latin typeface="Century Gothic" pitchFamily="34" charset="0"/>
-            </a:endParaRPr>
-          </a:p>
-          <a:p>
-            <a:r>
-              <a:rPr lang="pl-PL" sz="1700" dirty="0" smtClean="0">
-                <a:latin typeface="Century Gothic" pitchFamily="34" charset="0"/>
-              </a:rPr>
-              <a:t>Agent – </a:t>
-            </a:r>
-            <a:r>
-              <a:rPr lang="pl-PL" sz="1700" dirty="0" smtClean="0">
-                <a:latin typeface="Century Gothic" pitchFamily="34" charset="0"/>
-              </a:rPr>
-              <a:t>jest umieszczony w każdym Network </a:t>
-            </a:r>
-            <a:r>
-              <a:rPr lang="pl-PL" sz="1700" dirty="0" err="1" smtClean="0">
+          </a:p>
+          <a:p>
+            <a:r>
+              <a:rPr lang="pl-PL" sz="1600" dirty="0" smtClean="0">
+                <a:latin typeface="Century Gothic" pitchFamily="34" charset="0"/>
+              </a:rPr>
+              <a:t>Agent – jest umieszczony w każdym Network </a:t>
+            </a:r>
+            <a:r>
+              <a:rPr lang="pl-PL" sz="1600" dirty="0" err="1" smtClean="0">
                 <a:latin typeface="Century Gothic" pitchFamily="34" charset="0"/>
               </a:rPr>
               <a:t>Nodzie</a:t>
             </a:r>
             <a:r>
-              <a:rPr lang="pl-PL" sz="1700" dirty="0" smtClean="0">
-                <a:latin typeface="Century Gothic" pitchFamily="34" charset="0"/>
-              </a:rPr>
-              <a:t>, odpowiada </a:t>
-            </a:r>
-            <a:r>
-              <a:rPr lang="pl-PL" sz="1700" dirty="0" smtClean="0">
-                <a:latin typeface="Century Gothic" pitchFamily="34" charset="0"/>
-              </a:rPr>
-              <a:t>za komunikację z </a:t>
-            </a:r>
-            <a:r>
-              <a:rPr lang="pl-PL" sz="1700" dirty="0" err="1" smtClean="0">
+              <a:rPr lang="pl-PL" sz="1600" dirty="0" smtClean="0">
+                <a:latin typeface="Century Gothic" pitchFamily="34" charset="0"/>
+              </a:rPr>
+              <a:t>, odpowiada za komunikację z </a:t>
+            </a:r>
+            <a:r>
+              <a:rPr lang="pl-PL" sz="1600" dirty="0" err="1" smtClean="0">
                 <a:latin typeface="Century Gothic" pitchFamily="34" charset="0"/>
               </a:rPr>
               <a:t>Manager’em</a:t>
             </a:r>
             <a:r>
-              <a:rPr lang="pl-PL" sz="1700" dirty="0" smtClean="0">
-                <a:latin typeface="Century Gothic" pitchFamily="34" charset="0"/>
-              </a:rPr>
-              <a:t> oraz wykonywanie jego poleceń</a:t>
-            </a:r>
-            <a:r>
-              <a:rPr lang="pl-PL" sz="1700" dirty="0" smtClean="0">
-                <a:latin typeface="Century Gothic" pitchFamily="34" charset="0"/>
-              </a:rPr>
-              <a:t>. Uruchomienie agenta jest opcjonalne.</a:t>
-            </a:r>
-            <a:endParaRPr lang="pl-PL" sz="1700" dirty="0" smtClean="0">
-              <a:latin typeface="Century Gothic" pitchFamily="34" charset="0"/>
-            </a:endParaRPr>
-          </a:p>
-          <a:p>
-            <a:r>
-              <a:rPr lang="pl-PL" sz="1700" dirty="0" smtClean="0">
-                <a:latin typeface="Century Gothic" pitchFamily="34" charset="0"/>
-              </a:rPr>
-              <a:t>Poszczególne elementy sieci są od siebie </a:t>
-            </a:r>
-            <a:r>
-              <a:rPr lang="pl-PL" sz="1700" dirty="0" smtClean="0">
-                <a:latin typeface="Century Gothic" pitchFamily="34" charset="0"/>
-              </a:rPr>
-              <a:t>niezależne</a:t>
-            </a:r>
-          </a:p>
-          <a:p>
-            <a:r>
-              <a:rPr lang="pl-PL" sz="1700" dirty="0" smtClean="0">
+              <a:rPr lang="pl-PL" sz="1600" dirty="0" smtClean="0">
+                <a:latin typeface="Century Gothic" pitchFamily="34" charset="0"/>
+              </a:rPr>
+              <a:t> oraz wykonywanie jego poleceń. Uruchomienie agenta jest opcjonalne.</a:t>
+            </a:r>
+          </a:p>
+          <a:p>
+            <a:r>
+              <a:rPr lang="pl-PL" sz="1600" dirty="0" smtClean="0">
+                <a:latin typeface="Century Gothic" pitchFamily="34" charset="0"/>
+              </a:rPr>
+              <a:t>Poszczególne elementy sieci są od siebie niezależne</a:t>
+            </a:r>
+          </a:p>
+          <a:p>
+            <a:r>
+              <a:rPr lang="pl-PL" sz="1600" dirty="0" smtClean="0">
                 <a:latin typeface="Century Gothic" pitchFamily="34" charset="0"/>
               </a:rPr>
               <a:t>Komunikacja pomiędzy </a:t>
             </a:r>
             <a:r>
-              <a:rPr lang="pl-PL" sz="1700" dirty="0" err="1" smtClean="0">
+              <a:rPr lang="pl-PL" sz="1600" dirty="0" err="1" smtClean="0">
                 <a:latin typeface="Century Gothic" pitchFamily="34" charset="0"/>
               </a:rPr>
               <a:t>Client’em</a:t>
             </a:r>
             <a:r>
-              <a:rPr lang="pl-PL" sz="1700" dirty="0" smtClean="0">
+              <a:rPr lang="pl-PL" sz="1600" dirty="0" smtClean="0">
                 <a:latin typeface="Century Gothic" pitchFamily="34" charset="0"/>
               </a:rPr>
               <a:t> i Network </a:t>
             </a:r>
             <a:r>
-              <a:rPr lang="pl-PL" sz="1700" dirty="0" err="1" smtClean="0">
+              <a:rPr lang="pl-PL" sz="1600" dirty="0" err="1" smtClean="0">
                 <a:latin typeface="Century Gothic" pitchFamily="34" charset="0"/>
               </a:rPr>
               <a:t>Node’m</a:t>
             </a:r>
             <a:r>
-              <a:rPr lang="pl-PL" sz="1700" dirty="0" smtClean="0">
-                <a:latin typeface="Century Gothic" pitchFamily="34" charset="0"/>
-              </a:rPr>
-              <a:t>, odbywa się poprzez interfejs „szary”.</a:t>
-            </a:r>
-            <a:endParaRPr lang="pl-PL" sz="1700" dirty="0">
+              <a:rPr lang="pl-PL" sz="1600" dirty="0" smtClean="0">
+                <a:latin typeface="Century Gothic" pitchFamily="34" charset="0"/>
+              </a:rPr>
+              <a:t>, odbywa się poprzez interfejs „szary</a:t>
+            </a:r>
+            <a:r>
+              <a:rPr lang="pl-PL" sz="1600" dirty="0" smtClean="0">
+                <a:latin typeface="Century Gothic" pitchFamily="34" charset="0"/>
+              </a:rPr>
+              <a:t>”.</a:t>
+            </a:r>
+          </a:p>
+          <a:p>
+            <a:r>
+              <a:rPr lang="pl-PL" sz="1600" dirty="0" smtClean="0">
+                <a:latin typeface="Century Gothic" pitchFamily="34" charset="0"/>
+              </a:rPr>
+              <a:t>Konfigurację odpowiednich elementów </a:t>
+            </a:r>
+            <a:r>
+              <a:rPr lang="pl-PL" sz="1600" dirty="0" smtClean="0">
+                <a:latin typeface="Century Gothic" pitchFamily="34" charset="0"/>
+              </a:rPr>
+              <a:t>wczytujemy </a:t>
+            </a:r>
+            <a:r>
+              <a:rPr lang="pl-PL" sz="1600" dirty="0" smtClean="0">
+                <a:latin typeface="Century Gothic" pitchFamily="34" charset="0"/>
+              </a:rPr>
+              <a:t>z plików konfiguracyjnych</a:t>
+            </a:r>
+          </a:p>
+          <a:p>
+            <a:endParaRPr lang="pl-PL" sz="1600" dirty="0">
               <a:latin typeface="Century Gothic" pitchFamily="34" charset="0"/>
             </a:endParaRPr>
           </a:p>
@@ -4545,239 +4357,6 @@
 </file>
 
 <file path=ppt/slides/slide6.xml><?xml version="1.0" encoding="utf-8"?>
-<p:sld xmlns:a="http://schemas.openxmlformats.org/drawingml/2006/main" xmlns:r="http://schemas.openxmlformats.org/officeDocument/2006/relationships" xmlns:p="http://schemas.openxmlformats.org/presentationml/2006/main">
-  <p:cSld>
-    <p:spTree>
-      <p:nvGrpSpPr>
-        <p:cNvPr id="1" name=""/>
-        <p:cNvGrpSpPr/>
-        <p:nvPr/>
-      </p:nvGrpSpPr>
-      <p:grpSpPr>
-        <a:xfrm>
-          <a:off x="0" y="0"/>
-          <a:ext cx="0" cy="0"/>
-          <a:chOff x="0" y="0"/>
-          <a:chExt cx="0" cy="0"/>
-        </a:xfrm>
-      </p:grpSpPr>
-      <p:sp>
-        <p:nvSpPr>
-          <p:cNvPr id="2" name="Tytuł 1"/>
-          <p:cNvSpPr>
-            <a:spLocks noGrp="1"/>
-          </p:cNvSpPr>
-          <p:nvPr>
-            <p:ph type="title"/>
-          </p:nvPr>
-        </p:nvSpPr>
-        <p:spPr/>
-        <p:txBody>
-          <a:bodyPr/>
-          <a:lstStyle/>
-          <a:p>
-            <a:r>
-              <a:rPr lang="pl-PL" dirty="0" smtClean="0">
-                <a:effectLst>
-                  <a:outerShdw blurRad="38100" dist="38100" dir="2700000" algn="tl">
-                    <a:srgbClr val="000000">
-                      <a:alpha val="43137"/>
-                    </a:srgbClr>
-                  </a:outerShdw>
-                </a:effectLst>
-                <a:latin typeface="Century Gothic" pitchFamily="34" charset="0"/>
-              </a:rPr>
-              <a:t>Założenia</a:t>
-            </a:r>
-            <a:endParaRPr lang="pl-PL" dirty="0">
-              <a:effectLst>
-                <a:outerShdw blurRad="38100" dist="38100" dir="2700000" algn="tl">
-                  <a:srgbClr val="000000">
-                    <a:alpha val="43137"/>
-                  </a:srgbClr>
-                </a:outerShdw>
-              </a:effectLst>
-              <a:latin typeface="Century Gothic" pitchFamily="34" charset="0"/>
-            </a:endParaRPr>
-          </a:p>
-        </p:txBody>
-      </p:sp>
-      <p:sp>
-        <p:nvSpPr>
-          <p:cNvPr id="3" name="Symbol zastępczy zawartości 2"/>
-          <p:cNvSpPr>
-            <a:spLocks noGrp="1"/>
-          </p:cNvSpPr>
-          <p:nvPr>
-            <p:ph idx="1"/>
-          </p:nvPr>
-        </p:nvSpPr>
-        <p:spPr>
-          <a:xfrm>
-            <a:off x="457200" y="1981200"/>
-            <a:ext cx="8229600" cy="4688160"/>
-          </a:xfrm>
-        </p:spPr>
-        <p:txBody>
-          <a:bodyPr/>
-          <a:lstStyle/>
-          <a:p>
-            <a:r>
-              <a:rPr lang="pl-PL" sz="1800" dirty="0" smtClean="0">
-                <a:latin typeface="Century Gothic" pitchFamily="34" charset="0"/>
-              </a:rPr>
-              <a:t>Poszczególne elementy sieci są niezależne,</a:t>
-            </a:r>
-          </a:p>
-          <a:p>
-            <a:r>
-              <a:rPr lang="pl-PL" sz="1800" dirty="0" smtClean="0">
-                <a:latin typeface="Century Gothic" pitchFamily="34" charset="0"/>
-              </a:rPr>
-              <a:t>Sieć jest przezroczysta dla klienta,</a:t>
-            </a:r>
-          </a:p>
-          <a:p>
-            <a:r>
-              <a:rPr lang="pl-PL" sz="1800" dirty="0" smtClean="0">
-                <a:latin typeface="Century Gothic" pitchFamily="34" charset="0"/>
-              </a:rPr>
-              <a:t>Chmura reprezentuje sieć kablową – odpowiada </a:t>
-            </a:r>
-            <a:br>
-              <a:rPr lang="pl-PL" sz="1800" dirty="0" smtClean="0">
-                <a:latin typeface="Century Gothic" pitchFamily="34" charset="0"/>
-              </a:rPr>
-            </a:br>
-            <a:r>
-              <a:rPr lang="pl-PL" sz="1800" dirty="0" smtClean="0">
-                <a:latin typeface="Century Gothic" pitchFamily="34" charset="0"/>
-              </a:rPr>
-              <a:t>tylko za </a:t>
-            </a:r>
-            <a:r>
-              <a:rPr lang="pl-PL" sz="1800" dirty="0" err="1" smtClean="0">
-                <a:latin typeface="Century Gothic" pitchFamily="34" charset="0"/>
-              </a:rPr>
-              <a:t>forwardowanie</a:t>
-            </a:r>
-            <a:r>
-              <a:rPr lang="pl-PL" sz="1800" dirty="0" smtClean="0">
-                <a:latin typeface="Century Gothic" pitchFamily="34" charset="0"/>
-              </a:rPr>
-              <a:t> sygnału,</a:t>
-            </a:r>
-          </a:p>
-          <a:p>
-            <a:r>
-              <a:rPr lang="pl-PL" sz="1800" dirty="0" smtClean="0">
-                <a:latin typeface="Century Gothic" pitchFamily="34" charset="0"/>
-              </a:rPr>
-              <a:t>Węzły nie mają informacji o topologii sieci,</a:t>
-            </a:r>
-          </a:p>
-          <a:p>
-            <a:r>
-              <a:rPr lang="pl-PL" sz="1800" dirty="0" smtClean="0">
-                <a:latin typeface="Century Gothic" pitchFamily="34" charset="0"/>
-              </a:rPr>
-              <a:t>Pomiędzy klientem, a węzłem sieciowym przesyłany </a:t>
-            </a:r>
-            <a:br>
-              <a:rPr lang="pl-PL" sz="1800" dirty="0" smtClean="0">
-                <a:latin typeface="Century Gothic" pitchFamily="34" charset="0"/>
-              </a:rPr>
-            </a:br>
-            <a:r>
-              <a:rPr lang="pl-PL" sz="1800" dirty="0" smtClean="0">
-                <a:latin typeface="Century Gothic" pitchFamily="34" charset="0"/>
-              </a:rPr>
-              <a:t>jest sygnał „szary”,</a:t>
-            </a:r>
-          </a:p>
-          <a:p>
-            <a:r>
-              <a:rPr lang="pl-PL" sz="1800" dirty="0" smtClean="0">
-                <a:latin typeface="Century Gothic" pitchFamily="34" charset="0"/>
-              </a:rPr>
-              <a:t>Pomiędzy węzłami sieciowymi przesyłany jest sygnał „kolorowy”,</a:t>
-            </a:r>
-          </a:p>
-          <a:p>
-            <a:r>
-              <a:rPr lang="pl-PL" sz="1800" dirty="0" smtClean="0">
-                <a:latin typeface="Century Gothic" pitchFamily="34" charset="0"/>
-              </a:rPr>
-              <a:t>Zarządca ma wgląd do pól komutacyjnych węzłów </a:t>
-            </a:r>
-            <a:br>
-              <a:rPr lang="pl-PL" sz="1800" dirty="0" smtClean="0">
-                <a:latin typeface="Century Gothic" pitchFamily="34" charset="0"/>
-              </a:rPr>
-            </a:br>
-            <a:r>
-              <a:rPr lang="pl-PL" sz="1800" dirty="0" smtClean="0">
-                <a:latin typeface="Century Gothic" pitchFamily="34" charset="0"/>
-              </a:rPr>
-              <a:t>za pośrednictwem Agenta – może sprawdzać </a:t>
-            </a:r>
-            <a:br>
-              <a:rPr lang="pl-PL" sz="1800" dirty="0" smtClean="0">
-                <a:latin typeface="Century Gothic" pitchFamily="34" charset="0"/>
-              </a:rPr>
-            </a:br>
-            <a:r>
-              <a:rPr lang="pl-PL" sz="1800" dirty="0" smtClean="0">
-                <a:latin typeface="Century Gothic" pitchFamily="34" charset="0"/>
-              </a:rPr>
-              <a:t>ich stan, zestawiać i usuwać,</a:t>
-            </a:r>
-          </a:p>
-          <a:p>
-            <a:r>
-              <a:rPr lang="pl-PL" sz="1800" dirty="0" smtClean="0">
-                <a:latin typeface="Century Gothic" pitchFamily="34" charset="0"/>
-              </a:rPr>
-              <a:t>Konfigurację odpowiednich elementów </a:t>
-            </a:r>
-            <a:br>
-              <a:rPr lang="pl-PL" sz="1800" dirty="0" smtClean="0">
-                <a:latin typeface="Century Gothic" pitchFamily="34" charset="0"/>
-              </a:rPr>
-            </a:br>
-            <a:r>
-              <a:rPr lang="pl-PL" sz="1800" dirty="0" smtClean="0">
-                <a:latin typeface="Century Gothic" pitchFamily="34" charset="0"/>
-              </a:rPr>
-              <a:t>wczytujemy z plików konfiguracyjnych</a:t>
-            </a:r>
-          </a:p>
-        </p:txBody>
-      </p:sp>
-    </p:spTree>
-    <p:extLst>
-      <p:ext uri="{BB962C8B-B14F-4D97-AF65-F5344CB8AC3E}">
-        <p14:creationId xmlns:p14="http://schemas.microsoft.com/office/powerpoint/2010/main" xmlns="" val="3788791858"/>
-      </p:ext>
-    </p:extLst>
-  </p:cSld>
-  <p:clrMapOvr>
-    <a:masterClrMapping/>
-  </p:clrMapOvr>
-  <p:transition>
-    <p:fade/>
-  </p:transition>
-  <p:timing>
-    <p:tnLst>
-      <p:par>
-        <p:cTn id="1" dur="indefinite" restart="never" nodeType="tmRoot"/>
-      </p:par>
-    </p:tnLst>
-  </p:timing>
-</p:sld>
-</file>
-
-<file path=ppt/slides/slide7.xml><?xml version="1.0" encoding="utf-8"?>
 <p:sld xmlns:a="http://schemas.openxmlformats.org/drawingml/2006/main" xmlns:r="http://schemas.openxmlformats.org/officeDocument/2006/relationships" xmlns:p="http://schemas.openxmlformats.org/presentationml/2006/main">
   <p:cSld>
     <p:spTree>
@@ -5923,6 +5502,168 @@
 </p:sld>
 </file>
 
+<file path=ppt/slides/slide7.xml><?xml version="1.0" encoding="utf-8"?>
+<p:sld xmlns:a="http://schemas.openxmlformats.org/drawingml/2006/main" xmlns:r="http://schemas.openxmlformats.org/officeDocument/2006/relationships" xmlns:p="http://schemas.openxmlformats.org/presentationml/2006/main">
+  <p:cSld>
+    <p:spTree>
+      <p:nvGrpSpPr>
+        <p:cNvPr id="1" name=""/>
+        <p:cNvGrpSpPr/>
+        <p:nvPr/>
+      </p:nvGrpSpPr>
+      <p:grpSpPr>
+        <a:xfrm>
+          <a:off x="0" y="0"/>
+          <a:ext cx="0" cy="0"/>
+          <a:chOff x="0" y="0"/>
+          <a:chExt cx="0" cy="0"/>
+        </a:xfrm>
+      </p:grpSpPr>
+      <p:sp>
+        <p:nvSpPr>
+          <p:cNvPr id="2" name="Tytuł 1"/>
+          <p:cNvSpPr>
+            <a:spLocks noGrp="1"/>
+          </p:cNvSpPr>
+          <p:nvPr>
+            <p:ph type="title"/>
+          </p:nvPr>
+        </p:nvSpPr>
+        <p:spPr/>
+        <p:txBody>
+          <a:bodyPr/>
+          <a:lstStyle/>
+          <a:p>
+            <a:r>
+              <a:rPr lang="pl-PL" dirty="0" smtClean="0">
+                <a:effectLst>
+                  <a:outerShdw blurRad="38100" dist="38100" dir="2700000" algn="tl">
+                    <a:srgbClr val="000000">
+                      <a:alpha val="43137"/>
+                    </a:srgbClr>
+                  </a:outerShdw>
+                </a:effectLst>
+                <a:latin typeface="Century Gothic" pitchFamily="34" charset="0"/>
+              </a:rPr>
+              <a:t>Płaszczyzna transportu</a:t>
+            </a:r>
+            <a:endParaRPr lang="pl-PL" dirty="0">
+              <a:effectLst>
+                <a:outerShdw blurRad="38100" dist="38100" dir="2700000" algn="tl">
+                  <a:srgbClr val="000000">
+                    <a:alpha val="43137"/>
+                  </a:srgbClr>
+                </a:outerShdw>
+              </a:effectLst>
+              <a:latin typeface="Century Gothic" pitchFamily="34" charset="0"/>
+            </a:endParaRPr>
+          </a:p>
+        </p:txBody>
+      </p:sp>
+      <p:sp>
+        <p:nvSpPr>
+          <p:cNvPr id="3" name="Symbol zastępczy zawartości 2"/>
+          <p:cNvSpPr>
+            <a:spLocks noGrp="1"/>
+          </p:cNvSpPr>
+          <p:nvPr>
+            <p:ph idx="1"/>
+          </p:nvPr>
+        </p:nvSpPr>
+        <p:spPr>
+          <a:xfrm>
+            <a:off x="457200" y="1844824"/>
+            <a:ext cx="8229600" cy="4248472"/>
+          </a:xfrm>
+        </p:spPr>
+        <p:txBody>
+          <a:bodyPr/>
+          <a:lstStyle/>
+          <a:p>
+            <a:r>
+              <a:rPr lang="pl-PL" sz="1800" dirty="0" smtClean="0">
+                <a:latin typeface="Century Gothic" pitchFamily="34" charset="0"/>
+              </a:rPr>
+              <a:t>Informacja użytkowa transportowana pomiędzy węzłem klienckim, a węzłem sieciowym wykorzystując porty klienckie i sygnał „szary”,</a:t>
+            </a:r>
+          </a:p>
+          <a:p>
+            <a:r>
+              <a:rPr lang="pl-PL" sz="1800" dirty="0" smtClean="0">
+                <a:latin typeface="Century Gothic" pitchFamily="34" charset="0"/>
+              </a:rPr>
+              <a:t>Informacja charakterystyczna transportowana pomiędzy węzłami sieciowymi wykorzystując porty sieciowe i sygnał „kolorowy”,</a:t>
+            </a:r>
+          </a:p>
+          <a:p>
+            <a:r>
+              <a:rPr lang="pl-PL" sz="1800" dirty="0" smtClean="0">
+                <a:latin typeface="Century Gothic" pitchFamily="34" charset="0"/>
+              </a:rPr>
+              <a:t>Transponder dokonujący konwersji sygnału „szarego” na sygnał kolorowy znajduje się w węźle sieciowym</a:t>
+            </a:r>
+            <a:r>
+              <a:rPr lang="pl-PL" sz="1800" dirty="0">
+                <a:latin typeface="Century Gothic" pitchFamily="34" charset="0"/>
+              </a:rPr>
+              <a:t>,</a:t>
+            </a:r>
+            <a:endParaRPr lang="pl-PL" sz="1800" dirty="0" smtClean="0">
+              <a:latin typeface="Century Gothic" pitchFamily="34" charset="0"/>
+            </a:endParaRPr>
+          </a:p>
+          <a:p>
+            <a:r>
+              <a:rPr lang="pl-PL" sz="1800" dirty="0" smtClean="0">
+                <a:latin typeface="Century Gothic" pitchFamily="34" charset="0"/>
+              </a:rPr>
+              <a:t>Długość każdego łącza wynosi 5km,</a:t>
+            </a:r>
+          </a:p>
+          <a:p>
+            <a:r>
+              <a:rPr lang="pl-PL" sz="1800" dirty="0" smtClean="0">
+                <a:latin typeface="Century Gothic" pitchFamily="34" charset="0"/>
+              </a:rPr>
+              <a:t>Stosowane modulacje to: BPSK, QPSK, 8QAM, 16QAM – ustawione od największej odporności i największego wymaganego pasma,</a:t>
+            </a:r>
+          </a:p>
+          <a:p>
+            <a:r>
+              <a:rPr lang="pl-PL" sz="1800" dirty="0" smtClean="0">
+                <a:latin typeface="Century Gothic" pitchFamily="34" charset="0"/>
+              </a:rPr>
+              <a:t>Wybór nieodpowiedniej modulacji skutkuje wystąpieniem błędów w odczycie informacji użytkowej,</a:t>
+            </a:r>
+            <a:endParaRPr lang="pl-PL" sz="1800" dirty="0">
+              <a:latin typeface="Century Gothic" pitchFamily="34" charset="0"/>
+            </a:endParaRPr>
+          </a:p>
+        </p:txBody>
+      </p:sp>
+    </p:spTree>
+    <p:extLst>
+      <p:ext uri="{BB962C8B-B14F-4D97-AF65-F5344CB8AC3E}">
+        <p14:creationId xmlns:p14="http://schemas.microsoft.com/office/powerpoint/2010/main" xmlns="" val="2682888474"/>
+      </p:ext>
+    </p:extLst>
+  </p:cSld>
+  <p:clrMapOvr>
+    <a:masterClrMapping/>
+  </p:clrMapOvr>
+  <p:transition>
+    <p:fade/>
+  </p:transition>
+  <p:timing>
+    <p:tnLst>
+      <p:par>
+        <p:cTn id="1" dur="indefinite" restart="never" nodeType="tmRoot"/>
+      </p:par>
+    </p:tnLst>
+  </p:timing>
+</p:sld>
+</file>
+
 <file path=ppt/slides/slide8.xml><?xml version="1.0" encoding="utf-8"?>
 <p:sld xmlns:a="http://schemas.openxmlformats.org/drawingml/2006/main" xmlns:r="http://schemas.openxmlformats.org/officeDocument/2006/relationships" xmlns:p="http://schemas.openxmlformats.org/presentationml/2006/main">
   <p:cSld>
@@ -5966,7 +5707,7 @@
                 </a:effectLst>
                 <a:latin typeface="Century Gothic" pitchFamily="34" charset="0"/>
               </a:rPr>
-              <a:t>Płaszczyzna transportu</a:t>
+              <a:t>Płaszczyzna zarządzania</a:t>
             </a:r>
             <a:endParaRPr lang="pl-PL" dirty="0">
               <a:effectLst>
@@ -5993,7 +5734,7 @@
         </p:nvSpPr>
         <p:spPr>
           <a:xfrm>
-            <a:off x="457200" y="1844824"/>
+            <a:off x="467544" y="1916832"/>
             <a:ext cx="8229600" cy="4248472"/>
           </a:xfrm>
         </p:spPr>
@@ -6005,7 +5746,7 @@
               <a:rPr lang="pl-PL" sz="1800" dirty="0" smtClean="0">
                 <a:latin typeface="Century Gothic" pitchFamily="34" charset="0"/>
               </a:rPr>
-              <a:t>Informacja użytkowa transportowana pomiędzy węzłem klienckim, a węzłem sieciowym wykorzystując porty klienckie i sygnał „szary”,</a:t>
+              <a:t>Zarządca komunikuje się z Agentami węzłów za pomocą odpowiednich komend,</a:t>
             </a:r>
           </a:p>
           <a:p>
@@ -6013,7 +5754,7 @@
               <a:rPr lang="pl-PL" sz="1800" dirty="0" smtClean="0">
                 <a:latin typeface="Century Gothic" pitchFamily="34" charset="0"/>
               </a:rPr>
-              <a:t>Informacja charakterystyczna transportowana pomiędzy węzłami sieciowymi wykorzystując porty sieciowe i sygnał „kolorowy”,</a:t>
+              <a:t>Za pomocą komendy GET pobiera aktualną tablicę komutacji w węźle,</a:t>
             </a:r>
           </a:p>
           <a:p>
@@ -6021,40 +5762,56 @@
               <a:rPr lang="pl-PL" sz="1800" dirty="0" smtClean="0">
                 <a:latin typeface="Century Gothic" pitchFamily="34" charset="0"/>
               </a:rPr>
-              <a:t>Transponder dokonujący konwersji sygnału „szarego” na sygnał kolorowy znajduje się w węźle sieciowym</a:t>
-            </a:r>
-            <a:r>
-              <a:rPr lang="pl-PL" sz="1800" dirty="0">
-                <a:latin typeface="Century Gothic" pitchFamily="34" charset="0"/>
-              </a:rPr>
-              <a:t>,</a:t>
-            </a:r>
-            <a:endParaRPr lang="pl-PL" sz="1800" dirty="0" smtClean="0">
-              <a:latin typeface="Century Gothic" pitchFamily="34" charset="0"/>
-            </a:endParaRPr>
-          </a:p>
-          <a:p>
-            <a:r>
+              <a:t>Za pomocą metody SET zestawia ze sobą odpowiednie porty: </a:t>
+            </a:r>
+            <a:br>
               <a:rPr lang="pl-PL" sz="1800" dirty="0" smtClean="0">
                 <a:latin typeface="Century Gothic" pitchFamily="34" charset="0"/>
               </a:rPr>
-              <a:t>Długość każdego łącza wynosi 5km,</a:t>
-            </a:r>
-          </a:p>
-          <a:p>
+            </a:br>
             <a:r>
               <a:rPr lang="pl-PL" sz="1800" dirty="0" smtClean="0">
                 <a:latin typeface="Century Gothic" pitchFamily="34" charset="0"/>
               </a:rPr>
-              <a:t>Stosowane modulacje to: BPSK, QPSK, 8QAM, 16QAM – ustawione od największej odporności i największego wymaganego pasma,</a:t>
-            </a:r>
-          </a:p>
-          <a:p>
-            <a:r>
+              <a:t>kliencki – kliencki, kliencki – sieciowy, sieciowy – kliencki </a:t>
+            </a:r>
+            <a:br>
               <a:rPr lang="pl-PL" sz="1800" dirty="0" smtClean="0">
                 <a:latin typeface="Century Gothic" pitchFamily="34" charset="0"/>
               </a:rPr>
-              <a:t>Wybór nieodpowiedniej modulacji skutkuje wystąpieniem błędów w odczycie informacji użytkowej,</a:t>
+            </a:br>
+            <a:r>
+              <a:rPr lang="pl-PL" sz="1800" dirty="0" smtClean="0">
+                <a:latin typeface="Century Gothic" pitchFamily="34" charset="0"/>
+              </a:rPr>
+              <a:t>oraz sieciowy – sieciowy,</a:t>
+            </a:r>
+          </a:p>
+          <a:p>
+            <a:r>
+              <a:rPr lang="pl-PL" sz="1800" dirty="0" smtClean="0">
+                <a:latin typeface="Century Gothic" pitchFamily="34" charset="0"/>
+              </a:rPr>
+              <a:t>Zestawienie komutacji polega na wyspecyfikowaniu z jakiego </a:t>
+            </a:r>
+            <a:br>
+              <a:rPr lang="pl-PL" sz="1800" dirty="0" smtClean="0">
+                <a:latin typeface="Century Gothic" pitchFamily="34" charset="0"/>
+              </a:rPr>
+            </a:br>
+            <a:r>
+              <a:rPr lang="pl-PL" sz="1800" dirty="0" smtClean="0">
+                <a:latin typeface="Century Gothic" pitchFamily="34" charset="0"/>
+              </a:rPr>
+              <a:t>portu, z jakiej nośnej oraz ile szczelin sygnał ma zostać skierowany odpowiedni port i odpowiednią nośną</a:t>
+            </a:r>
+          </a:p>
+          <a:p>
+            <a:r>
+              <a:rPr lang="pl-PL" sz="1800" dirty="0" smtClean="0">
+                <a:latin typeface="Century Gothic" pitchFamily="34" charset="0"/>
+              </a:rPr>
+              <a:t>Wykorzystując komendę DELETE Zarządca może usuwać połączenia komutacyjne – jedno wybrane lub wszystkie w danym węźle sieciowym</a:t>
             </a:r>
             <a:endParaRPr lang="pl-PL" sz="1800" dirty="0">
               <a:latin typeface="Century Gothic" pitchFamily="34" charset="0"/>
@@ -6065,7 +5822,7 @@
     </p:spTree>
     <p:extLst>
       <p:ext uri="{BB962C8B-B14F-4D97-AF65-F5344CB8AC3E}">
-        <p14:creationId xmlns:p14="http://schemas.microsoft.com/office/powerpoint/2010/main" xmlns="" val="2682888474"/>
+        <p14:creationId xmlns:p14="http://schemas.microsoft.com/office/powerpoint/2010/main" xmlns="" val="3390571301"/>
       </p:ext>
     </p:extLst>
   </p:cSld>
@@ -6128,7 +5885,7 @@
                 </a:effectLst>
                 <a:latin typeface="Century Gothic" pitchFamily="34" charset="0"/>
               </a:rPr>
-              <a:t>Płaszczyzna zarządzania</a:t>
+              <a:t>Koniec</a:t>
             </a:r>
             <a:endParaRPr lang="pl-PL" dirty="0">
               <a:effectLst>
@@ -6155,97 +5912,52 @@
         </p:nvSpPr>
         <p:spPr>
           <a:xfrm>
-            <a:off x="467544" y="1916832"/>
-            <a:ext cx="8229600" cy="4248472"/>
+            <a:off x="467544" y="2708920"/>
+            <a:ext cx="8229600" cy="3352800"/>
           </a:xfrm>
         </p:spPr>
         <p:txBody>
           <a:bodyPr/>
           <a:lstStyle/>
           <a:p>
-            <a:r>
-              <a:rPr lang="pl-PL" sz="1800" dirty="0" smtClean="0">
-                <a:latin typeface="Century Gothic" pitchFamily="34" charset="0"/>
-              </a:rPr>
-              <a:t>Zarządca komunikuje się z Agentami węzłów za pomocą odpowiednich komend,</a:t>
-            </a:r>
-          </a:p>
-          <a:p>
-            <a:r>
-              <a:rPr lang="pl-PL" sz="1800" dirty="0" smtClean="0">
-                <a:latin typeface="Century Gothic" pitchFamily="34" charset="0"/>
-              </a:rPr>
-              <a:t>Za pomocą komendy GET pobiera aktualną tablicę komutacji w węźle,</a:t>
-            </a:r>
-          </a:p>
-          <a:p>
-            <a:r>
-              <a:rPr lang="pl-PL" sz="1800" dirty="0" smtClean="0">
-                <a:latin typeface="Century Gothic" pitchFamily="34" charset="0"/>
-              </a:rPr>
-              <a:t>Za pomocą metody SET zestawia ze sobą odpowiednie porty: </a:t>
-            </a:r>
-            <a:br>
-              <a:rPr lang="pl-PL" sz="1800" dirty="0" smtClean="0">
-                <a:latin typeface="Century Gothic" pitchFamily="34" charset="0"/>
-              </a:rPr>
-            </a:br>
-            <a:r>
-              <a:rPr lang="pl-PL" sz="1800" dirty="0" smtClean="0">
-                <a:latin typeface="Century Gothic" pitchFamily="34" charset="0"/>
-              </a:rPr>
-              <a:t>kliencki – kliencki, kliencki – sieciowy, sieciowy – kliencki </a:t>
-            </a:r>
-            <a:br>
-              <a:rPr lang="pl-PL" sz="1800" dirty="0" smtClean="0">
-                <a:latin typeface="Century Gothic" pitchFamily="34" charset="0"/>
-              </a:rPr>
-            </a:br>
-            <a:r>
-              <a:rPr lang="pl-PL" sz="1800" dirty="0" smtClean="0">
-                <a:latin typeface="Century Gothic" pitchFamily="34" charset="0"/>
-              </a:rPr>
-              <a:t>oraz sieciowy – sieciowy,</a:t>
-            </a:r>
-          </a:p>
-          <a:p>
-            <a:r>
-              <a:rPr lang="pl-PL" sz="1800" dirty="0" smtClean="0">
-                <a:latin typeface="Century Gothic" pitchFamily="34" charset="0"/>
-              </a:rPr>
-              <a:t>Zestawienie komutacji polega na wyspecyfikowaniu z jakiego </a:t>
-            </a:r>
-            <a:br>
-              <a:rPr lang="pl-PL" sz="1800" dirty="0" smtClean="0">
-                <a:latin typeface="Century Gothic" pitchFamily="34" charset="0"/>
-              </a:rPr>
-            </a:br>
-            <a:r>
-              <a:rPr lang="pl-PL" sz="1800" dirty="0" smtClean="0">
-                <a:latin typeface="Century Gothic" pitchFamily="34" charset="0"/>
-              </a:rPr>
-              <a:t>portu, z jakiej nośnej oraz ile szczelin sygnał ma zostać skierowany odpowiedni port i odpowiednią nośną</a:t>
-            </a:r>
-          </a:p>
-          <a:p>
-            <a:r>
-              <a:rPr lang="pl-PL" sz="1800" dirty="0" smtClean="0">
-                <a:latin typeface="Century Gothic" pitchFamily="34" charset="0"/>
-              </a:rPr>
-              <a:t>Wykorzystując komendę DELETE Zarządca może usuwać połączenia komutacyjne – jedno wybrane lub wszystkie w danym węźle sieciowym</a:t>
-            </a:r>
-            <a:endParaRPr lang="pl-PL" sz="1800" dirty="0">
+            <a:pPr>
+              <a:buNone/>
+            </a:pPr>
+            <a:endParaRPr lang="pl-PL" sz="2000" dirty="0" smtClean="0">
               <a:latin typeface="Century Gothic" pitchFamily="34" charset="0"/>
             </a:endParaRPr>
           </a:p>
+          <a:p>
+            <a:pPr algn="ctr">
+              <a:buNone/>
+            </a:pPr>
+            <a:r>
+              <a:rPr lang="pl-PL" sz="4800" dirty="0" smtClean="0">
+                <a:effectLst>
+                  <a:outerShdw blurRad="38100" dist="38100" dir="2700000" algn="tl">
+                    <a:srgbClr val="000000">
+                      <a:alpha val="43137"/>
+                    </a:srgbClr>
+                  </a:outerShdw>
+                </a:effectLst>
+                <a:latin typeface="Century Gothic" pitchFamily="34" charset="0"/>
+              </a:rPr>
+              <a:t>Dziękujemy za uwagę !</a:t>
+            </a:r>
+            <a:endParaRPr lang="pl-PL" sz="4800" dirty="0">
+              <a:effectLst>
+                <a:outerShdw blurRad="38100" dist="38100" dir="2700000" algn="tl">
+                  <a:srgbClr val="000000">
+                    <a:alpha val="43137"/>
+                  </a:srgbClr>
+                </a:outerShdw>
+              </a:effectLst>
+              <a:latin typeface="Century Gothic" pitchFamily="34" charset="0"/>
+            </a:endParaRPr>
+          </a:p>
         </p:txBody>
       </p:sp>
     </p:spTree>
-    <p:extLst>
-      <p:ext uri="{BB962C8B-B14F-4D97-AF65-F5344CB8AC3E}">
-        <p14:creationId xmlns:p14="http://schemas.microsoft.com/office/powerpoint/2010/main" xmlns="" val="3390571301"/>
-      </p:ext>
-    </p:extLst>
   </p:cSld>
   <p:clrMapOvr>
     <a:masterClrMapping/>
